--- a/doc/Thanh/SlidePresentation.pptx
+++ b/doc/Thanh/SlidePresentation.pptx
@@ -8029,8 +8029,8 @@
         </p:blipFill>
         <p:spPr>
           <a:xfrm>
-            <a:off x="250187" y="1816228"/>
-            <a:ext cx="1159106" cy="967064"/>
+            <a:off x="554986" y="2130666"/>
+            <a:ext cx="1357505" cy="1132592"/>
           </a:xfrm>
         </p:spPr>
       </p:pic>
@@ -8056,7 +8056,7 @@
         </p:blipFill>
         <p:spPr>
           <a:xfrm>
-            <a:off x="3382567" y="2482367"/>
+            <a:off x="3445886" y="3874035"/>
             <a:ext cx="1005493" cy="1560248"/>
           </a:xfrm>
           <a:prstGeom prst="rect">
@@ -8071,9 +8071,9 @@
           <p:nvPr/>
         </p:nvSpPr>
         <p:spPr>
-          <a:xfrm rot="20127516">
-            <a:off x="1619036" y="4157415"/>
-            <a:ext cx="1683979" cy="282933"/>
+          <a:xfrm>
+            <a:off x="1945402" y="5003976"/>
+            <a:ext cx="1281167" cy="306593"/>
           </a:xfrm>
           <a:prstGeom prst="rightArrow">
             <a:avLst/>
@@ -8106,53 +8106,13 @@
       </p:sp>
       <p:sp>
         <p:nvSpPr>
-          <p:cNvPr id="25" name="Right Arrow 24"/>
-          <p:cNvSpPr/>
-          <p:nvPr/>
-        </p:nvSpPr>
-        <p:spPr>
-          <a:xfrm rot="1515989">
-            <a:off x="1994497" y="2563964"/>
-            <a:ext cx="1297034" cy="263436"/>
-          </a:xfrm>
-          <a:prstGeom prst="rightArrow">
-            <a:avLst/>
-          </a:prstGeom>
-        </p:spPr>
-        <p:style>
-          <a:lnRef idx="2">
-            <a:schemeClr val="accent1">
-              <a:shade val="50000"/>
-            </a:schemeClr>
-          </a:lnRef>
-          <a:fillRef idx="1">
-            <a:schemeClr val="accent1"/>
-          </a:fillRef>
-          <a:effectRef idx="0">
-            <a:schemeClr val="accent1"/>
-          </a:effectRef>
-          <a:fontRef idx="minor">
-            <a:schemeClr val="lt1"/>
-          </a:fontRef>
-        </p:style>
-        <p:txBody>
-          <a:bodyPr rtlCol="0" anchor="ctr"/>
-          <a:lstStyle/>
-          <a:p>
-            <a:pPr algn="ctr"/>
-            <a:endParaRPr lang="en-US"/>
-          </a:p>
-        </p:txBody>
-      </p:sp>
-      <p:sp>
-        <p:nvSpPr>
           <p:cNvPr id="7" name="TextBox 6"/>
           <p:cNvSpPr txBox="1"/>
           <p:nvPr/>
         </p:nvSpPr>
         <p:spPr>
           <a:xfrm>
-            <a:off x="3355242" y="3983237"/>
+            <a:off x="3538950" y="5483747"/>
             <a:ext cx="912429" cy="369332"/>
           </a:xfrm>
           <a:prstGeom prst="rect">
@@ -8182,7 +8142,7 @@
         </p:nvSpPr>
         <p:spPr>
           <a:xfrm>
-            <a:off x="250187" y="2802613"/>
+            <a:off x="598033" y="3290070"/>
             <a:ext cx="1165704" cy="369332"/>
           </a:xfrm>
           <a:prstGeom prst="rect">
@@ -8212,7 +8172,7 @@
         </p:nvSpPr>
         <p:spPr>
           <a:xfrm>
-            <a:off x="1681460" y="1997516"/>
+            <a:off x="816930" y="3781370"/>
             <a:ext cx="1701107" cy="338554"/>
           </a:xfrm>
           <a:prstGeom prst="rect">
@@ -8256,7 +8216,7 @@
         </p:blipFill>
         <p:spPr>
           <a:xfrm>
-            <a:off x="364744" y="4224852"/>
+            <a:off x="608804" y="4463004"/>
             <a:ext cx="1196624" cy="998367"/>
           </a:xfrm>
           <a:prstGeom prst="rect">
@@ -8272,7 +8232,7 @@
         </p:nvSpPr>
         <p:spPr>
           <a:xfrm>
-            <a:off x="453372" y="5222142"/>
+            <a:off x="697432" y="5460294"/>
             <a:ext cx="1107996" cy="369332"/>
           </a:xfrm>
           <a:prstGeom prst="rect">
@@ -8301,7 +8261,7 @@
         </p:nvSpPr>
         <p:spPr>
           <a:xfrm>
-            <a:off x="1409293" y="3915719"/>
+            <a:off x="1925520" y="4678280"/>
             <a:ext cx="1058303" cy="338554"/>
           </a:xfrm>
           <a:prstGeom prst="rect">
@@ -8345,7 +8305,7 @@
         </p:blipFill>
         <p:spPr>
           <a:xfrm>
-            <a:off x="6000772" y="4296641"/>
+            <a:off x="5956351" y="2118684"/>
             <a:ext cx="1196625" cy="998367"/>
           </a:xfrm>
           <a:prstGeom prst="rect">
@@ -8361,7 +8321,7 @@
         </p:nvSpPr>
         <p:spPr>
           <a:xfrm>
-            <a:off x="6278921" y="5298853"/>
+            <a:off x="6234500" y="3120896"/>
             <a:ext cx="678391" cy="369332"/>
           </a:xfrm>
           <a:prstGeom prst="rect">
@@ -8384,14 +8344,113 @@
       </p:sp>
       <p:sp>
         <p:nvSpPr>
-          <p:cNvPr id="18" name="Right Arrow 17"/>
+          <p:cNvPr id="19" name="TextBox 18"/>
+          <p:cNvSpPr txBox="1"/>
+          <p:nvPr/>
+        </p:nvSpPr>
+        <p:spPr>
+          <a:xfrm>
+            <a:off x="5621305" y="3818548"/>
+            <a:ext cx="1056571" cy="338554"/>
+          </a:xfrm>
+          <a:prstGeom prst="rect">
+            <a:avLst/>
+          </a:prstGeom>
+          <a:noFill/>
+        </p:spPr>
+        <p:txBody>
+          <a:bodyPr wrap="none" rtlCol="0">
+            <a:spAutoFit/>
+          </a:bodyPr>
+          <a:lstStyle/>
+          <a:p>
+            <a:r>
+              <a:rPr lang="en-US" sz="1600" dirty="0" smtClean="0"/>
+              <a:t>(3) Assign</a:t>
+            </a:r>
+            <a:endParaRPr lang="en-US" sz="1600" dirty="0"/>
+          </a:p>
+        </p:txBody>
+      </p:sp>
+      <p:sp>
+        <p:nvSpPr>
+          <p:cNvPr id="21" name="TextBox 20"/>
+          <p:cNvSpPr txBox="1"/>
+          <p:nvPr/>
+        </p:nvSpPr>
+        <p:spPr>
+          <a:xfrm>
+            <a:off x="1874838" y="2924704"/>
+            <a:ext cx="1838965" cy="338554"/>
+          </a:xfrm>
+          <a:prstGeom prst="rect">
+            <a:avLst/>
+          </a:prstGeom>
+          <a:noFill/>
+        </p:spPr>
+        <p:txBody>
+          <a:bodyPr wrap="none" rtlCol="0">
+            <a:spAutoFit/>
+          </a:bodyPr>
+          <a:lstStyle/>
+          <a:p>
+            <a:r>
+              <a:rPr lang="en-US" sz="1600" dirty="0" smtClean="0"/>
+              <a:t>(4) Send message</a:t>
+            </a:r>
+          </a:p>
+        </p:txBody>
+      </p:sp>
+      <p:sp>
+        <p:nvSpPr>
+          <p:cNvPr id="6" name="Left-Right-Up Arrow 5"/>
           <p:cNvSpPr/>
           <p:nvPr/>
         </p:nvSpPr>
         <p:spPr>
-          <a:xfrm>
-            <a:off x="1638366" y="4899209"/>
-            <a:ext cx="4194398" cy="345820"/>
+          <a:xfrm rot="10800000">
+            <a:off x="2114923" y="2597789"/>
+            <a:ext cx="3817256" cy="746553"/>
+          </a:xfrm>
+          <a:prstGeom prst="leftRightUpArrow">
+            <a:avLst/>
+          </a:prstGeom>
+        </p:spPr>
+        <p:style>
+          <a:lnRef idx="2">
+            <a:schemeClr val="accent1">
+              <a:shade val="50000"/>
+            </a:schemeClr>
+          </a:lnRef>
+          <a:fillRef idx="1">
+            <a:schemeClr val="accent1"/>
+          </a:fillRef>
+          <a:effectRef idx="0">
+            <a:schemeClr val="accent1"/>
+          </a:effectRef>
+          <a:fontRef idx="minor">
+            <a:schemeClr val="lt1"/>
+          </a:fontRef>
+        </p:style>
+        <p:txBody>
+          <a:bodyPr rtlCol="0" anchor="ctr"/>
+          <a:lstStyle/>
+          <a:p>
+            <a:pPr algn="ctr"/>
+            <a:endParaRPr lang="en-US"/>
+          </a:p>
+        </p:txBody>
+      </p:sp>
+      <p:sp>
+        <p:nvSpPr>
+          <p:cNvPr id="26" name="Right Arrow 25"/>
+          <p:cNvSpPr/>
+          <p:nvPr/>
+        </p:nvSpPr>
+        <p:spPr>
+          <a:xfrm rot="1768525">
+            <a:off x="1996339" y="3659444"/>
+            <a:ext cx="1281167" cy="306593"/>
           </a:xfrm>
           <a:prstGeom prst="rightArrow">
             <a:avLst/>
@@ -8424,44 +8483,14 @@
       </p:sp>
       <p:sp>
         <p:nvSpPr>
-          <p:cNvPr id="19" name="TextBox 18"/>
-          <p:cNvSpPr txBox="1"/>
-          <p:nvPr/>
-        </p:nvSpPr>
-        <p:spPr>
-          <a:xfrm>
-            <a:off x="2697443" y="4655900"/>
-            <a:ext cx="1056571" cy="338554"/>
-          </a:xfrm>
-          <a:prstGeom prst="rect">
-            <a:avLst/>
-          </a:prstGeom>
-          <a:noFill/>
-        </p:spPr>
-        <p:txBody>
-          <a:bodyPr wrap="none" rtlCol="0">
-            <a:spAutoFit/>
-          </a:bodyPr>
-          <a:lstStyle/>
-          <a:p>
-            <a:r>
-              <a:rPr lang="en-US" sz="1600" dirty="0" smtClean="0"/>
-              <a:t>(3) Assign</a:t>
-            </a:r>
-            <a:endParaRPr lang="en-US" sz="1600" dirty="0"/>
-          </a:p>
-        </p:txBody>
-      </p:sp>
-      <p:sp>
-        <p:nvSpPr>
-          <p:cNvPr id="20" name="Right Arrow 19"/>
+          <p:cNvPr id="27" name="Right Arrow 26"/>
           <p:cNvSpPr/>
           <p:nvPr/>
         </p:nvSpPr>
         <p:spPr>
-          <a:xfrm rot="12733351">
-            <a:off x="4535825" y="4080341"/>
-            <a:ext cx="1433121" cy="249647"/>
+          <a:xfrm rot="19650526">
+            <a:off x="4801434" y="3648998"/>
+            <a:ext cx="1281167" cy="306593"/>
           </a:xfrm>
           <a:prstGeom prst="rightArrow">
             <a:avLst/>
@@ -8494,14 +8523,14 @@
       </p:sp>
       <p:sp>
         <p:nvSpPr>
-          <p:cNvPr id="21" name="TextBox 20"/>
+          <p:cNvPr id="29" name="TextBox 28"/>
           <p:cNvSpPr txBox="1"/>
           <p:nvPr/>
         </p:nvSpPr>
         <p:spPr>
           <a:xfrm>
-            <a:off x="4998118" y="3641302"/>
-            <a:ext cx="1850058" cy="338554"/>
+            <a:off x="4429621" y="2891912"/>
+            <a:ext cx="1125501" cy="338554"/>
           </a:xfrm>
           <a:prstGeom prst="rect">
             <a:avLst/>
@@ -8516,62 +8545,21 @@
           <a:p>
             <a:r>
               <a:rPr lang="en-US" sz="1600" dirty="0" smtClean="0"/>
-              <a:t>(4) Accept/Cancel</a:t>
-            </a:r>
-            <a:endParaRPr lang="en-US" sz="1600" dirty="0"/>
-          </a:p>
-        </p:txBody>
-      </p:sp>
-      <p:sp>
-        <p:nvSpPr>
-          <p:cNvPr id="22" name="Right Arrow 21"/>
-          <p:cNvSpPr/>
-          <p:nvPr/>
-        </p:nvSpPr>
-        <p:spPr>
-          <a:xfrm rot="12325919">
-            <a:off x="1693153" y="2988697"/>
-            <a:ext cx="1433121" cy="249647"/>
-          </a:xfrm>
-          <a:prstGeom prst="rightArrow">
-            <a:avLst/>
-          </a:prstGeom>
-        </p:spPr>
-        <p:style>
-          <a:lnRef idx="2">
-            <a:schemeClr val="accent1">
-              <a:shade val="50000"/>
-            </a:schemeClr>
-          </a:lnRef>
-          <a:fillRef idx="1">
-            <a:schemeClr val="accent1"/>
-          </a:fillRef>
-          <a:effectRef idx="0">
-            <a:schemeClr val="accent1"/>
-          </a:effectRef>
-          <a:fontRef idx="minor">
-            <a:schemeClr val="lt1"/>
-          </a:fontRef>
-        </p:style>
-        <p:txBody>
-          <a:bodyPr rtlCol="0" anchor="ctr"/>
-          <a:lstStyle/>
-          <a:p>
-            <a:pPr algn="ctr"/>
-            <a:endParaRPr lang="en-US"/>
-          </a:p>
-        </p:txBody>
-      </p:sp>
-      <p:sp>
-        <p:nvSpPr>
-          <p:cNvPr id="23" name="TextBox 22"/>
+              <a:t>(5) Accept</a:t>
+            </a:r>
+          </a:p>
+        </p:txBody>
+      </p:sp>
+      <p:sp>
+        <p:nvSpPr>
+          <p:cNvPr id="30" name="TextBox 29"/>
           <p:cNvSpPr txBox="1"/>
           <p:nvPr/>
         </p:nvSpPr>
         <p:spPr>
           <a:xfrm>
-            <a:off x="789602" y="3217606"/>
-            <a:ext cx="1776448" cy="338554"/>
+            <a:off x="4179903" y="2206672"/>
+            <a:ext cx="1871025" cy="338554"/>
           </a:xfrm>
           <a:prstGeom prst="rect">
             <a:avLst/>
@@ -8586,9 +8574,37 @@
           <a:p>
             <a:r>
               <a:rPr lang="en-US" sz="1600" dirty="0" smtClean="0"/>
-              <a:t>(5) Send message</a:t>
-            </a:r>
-            <a:endParaRPr lang="en-US" sz="1600" dirty="0"/>
+              <a:t>(6) Meet customer</a:t>
+            </a:r>
+          </a:p>
+        </p:txBody>
+      </p:sp>
+      <p:sp>
+        <p:nvSpPr>
+          <p:cNvPr id="32" name="TextBox 31"/>
+          <p:cNvSpPr txBox="1"/>
+          <p:nvPr/>
+        </p:nvSpPr>
+        <p:spPr>
+          <a:xfrm>
+            <a:off x="1904802" y="2206672"/>
+            <a:ext cx="1125501" cy="338554"/>
+          </a:xfrm>
+          <a:prstGeom prst="rect">
+            <a:avLst/>
+          </a:prstGeom>
+          <a:noFill/>
+        </p:spPr>
+        <p:txBody>
+          <a:bodyPr wrap="none" rtlCol="0">
+            <a:spAutoFit/>
+          </a:bodyPr>
+          <a:lstStyle/>
+          <a:p>
+            <a:r>
+              <a:rPr lang="en-US" sz="1600" dirty="0" smtClean="0"/>
+              <a:t>(6) Accept</a:t>
+            </a:r>
           </a:p>
         </p:txBody>
       </p:sp>
